--- a/SenagaStandard_ver.1/SenagaStandard_ver.1.pptx
+++ b/SenagaStandard_ver.1/SenagaStandard_ver.1.pptx
@@ -113,6 +113,11 @@
       </a:defRPr>
     </a:lvl9pPr>
   </p:defaultTextStyle>
+  <p:extLst>
+    <p:ext uri="{EFAFB233-063F-42B5-8137-9DF3F51BA10A}">
+      <p15:sldGuideLst xmlns:p15="http://schemas.microsoft.com/office/powerpoint/2012/main"/>
+    </p:ext>
+  </p:extLst>
 </p:presentation>
 </file>
 
@@ -263,7 +268,7 @@
           <a:p>
             <a:fld id="{99080A2C-C10A-4C41-856F-C6EBB483D306}" type="datetimeFigureOut">
               <a:rPr kumimoji="1" lang="ja-JP" altLang="en-US" smtClean="0"/>
-              <a:t>2023/8/10</a:t>
+              <a:t>2023/8/11</a:t>
             </a:fld>
             <a:endParaRPr kumimoji="1" lang="ja-JP" altLang="en-US"/>
           </a:p>
@@ -493,7 +498,7 @@
           <a:p>
             <a:fld id="{99080A2C-C10A-4C41-856F-C6EBB483D306}" type="datetimeFigureOut">
               <a:rPr kumimoji="1" lang="ja-JP" altLang="en-US" smtClean="0"/>
-              <a:t>2023/8/10</a:t>
+              <a:t>2023/8/11</a:t>
             </a:fld>
             <a:endParaRPr kumimoji="1" lang="ja-JP" altLang="en-US"/>
           </a:p>
@@ -733,7 +738,7 @@
           <a:p>
             <a:fld id="{99080A2C-C10A-4C41-856F-C6EBB483D306}" type="datetimeFigureOut">
               <a:rPr kumimoji="1" lang="ja-JP" altLang="en-US" smtClean="0"/>
-              <a:t>2023/8/10</a:t>
+              <a:t>2023/8/11</a:t>
             </a:fld>
             <a:endParaRPr kumimoji="1" lang="ja-JP" altLang="en-US"/>
           </a:p>
@@ -963,7 +968,7 @@
           <a:p>
             <a:fld id="{99080A2C-C10A-4C41-856F-C6EBB483D306}" type="datetimeFigureOut">
               <a:rPr kumimoji="1" lang="ja-JP" altLang="en-US" smtClean="0"/>
-              <a:t>2023/8/10</a:t>
+              <a:t>2023/8/11</a:t>
             </a:fld>
             <a:endParaRPr kumimoji="1" lang="ja-JP" altLang="en-US"/>
           </a:p>
@@ -1238,7 +1243,7 @@
           <a:p>
             <a:fld id="{99080A2C-C10A-4C41-856F-C6EBB483D306}" type="datetimeFigureOut">
               <a:rPr kumimoji="1" lang="ja-JP" altLang="en-US" smtClean="0"/>
-              <a:t>2023/8/10</a:t>
+              <a:t>2023/8/11</a:t>
             </a:fld>
             <a:endParaRPr kumimoji="1" lang="ja-JP" altLang="en-US"/>
           </a:p>
@@ -1567,7 +1572,7 @@
           <a:p>
             <a:fld id="{99080A2C-C10A-4C41-856F-C6EBB483D306}" type="datetimeFigureOut">
               <a:rPr kumimoji="1" lang="ja-JP" altLang="en-US" smtClean="0"/>
-              <a:t>2023/8/10</a:t>
+              <a:t>2023/8/11</a:t>
             </a:fld>
             <a:endParaRPr kumimoji="1" lang="ja-JP" altLang="en-US"/>
           </a:p>
@@ -2043,7 +2048,7 @@
           <a:p>
             <a:fld id="{99080A2C-C10A-4C41-856F-C6EBB483D306}" type="datetimeFigureOut">
               <a:rPr kumimoji="1" lang="ja-JP" altLang="en-US" smtClean="0"/>
-              <a:t>2023/8/10</a:t>
+              <a:t>2023/8/11</a:t>
             </a:fld>
             <a:endParaRPr kumimoji="1" lang="ja-JP" altLang="en-US"/>
           </a:p>
@@ -2184,7 +2189,7 @@
           <a:p>
             <a:fld id="{99080A2C-C10A-4C41-856F-C6EBB483D306}" type="datetimeFigureOut">
               <a:rPr kumimoji="1" lang="ja-JP" altLang="en-US" smtClean="0"/>
-              <a:t>2023/8/10</a:t>
+              <a:t>2023/8/11</a:t>
             </a:fld>
             <a:endParaRPr kumimoji="1" lang="ja-JP" altLang="en-US"/>
           </a:p>
@@ -2297,7 +2302,7 @@
           <a:p>
             <a:fld id="{99080A2C-C10A-4C41-856F-C6EBB483D306}" type="datetimeFigureOut">
               <a:rPr kumimoji="1" lang="ja-JP" altLang="en-US" smtClean="0"/>
-              <a:t>2023/8/10</a:t>
+              <a:t>2023/8/11</a:t>
             </a:fld>
             <a:endParaRPr kumimoji="1" lang="ja-JP" altLang="en-US"/>
           </a:p>
@@ -2640,7 +2645,7 @@
           <a:p>
             <a:fld id="{99080A2C-C10A-4C41-856F-C6EBB483D306}" type="datetimeFigureOut">
               <a:rPr kumimoji="1" lang="ja-JP" altLang="en-US" smtClean="0"/>
-              <a:t>2023/8/10</a:t>
+              <a:t>2023/8/11</a:t>
             </a:fld>
             <a:endParaRPr kumimoji="1" lang="ja-JP" altLang="en-US"/>
           </a:p>
@@ -2928,7 +2933,7 @@
           <a:p>
             <a:fld id="{99080A2C-C10A-4C41-856F-C6EBB483D306}" type="datetimeFigureOut">
               <a:rPr kumimoji="1" lang="ja-JP" altLang="en-US" smtClean="0"/>
-              <a:t>2023/8/10</a:t>
+              <a:t>2023/8/11</a:t>
             </a:fld>
             <a:endParaRPr kumimoji="1" lang="ja-JP" altLang="en-US"/>
           </a:p>
@@ -3211,7 +3216,7 @@
           <a:p>
             <a:fld id="{99080A2C-C10A-4C41-856F-C6EBB483D306}" type="datetimeFigureOut">
               <a:rPr kumimoji="1" lang="ja-JP" altLang="en-US" smtClean="0"/>
-              <a:t>2023/8/10</a:t>
+              <a:t>2023/8/11</a:t>
             </a:fld>
             <a:endParaRPr kumimoji="1" lang="ja-JP" altLang="en-US"/>
           </a:p>
@@ -6346,7 +6351,7 @@
                 <a:ea typeface="M+ 2p medium" panose="020B0603020203020204" pitchFamily="50" charset="-128"/>
                 <a:cs typeface="M+ 2p medium" panose="020B0603020203020204" pitchFamily="50" charset="-128"/>
               </a:rPr>
-              <a:t>フロー①　説明テキスト</a:t>
+              <a:t>手順①　説明テキスト</a:t>
             </a:r>
             <a:endParaRPr lang="en-US" altLang="ja-JP" sz="3600" dirty="0">
               <a:solidFill>
@@ -6402,7 +6407,7 @@
                 <a:ea typeface="M+ 2p medium" panose="020B0603020203020204" pitchFamily="50" charset="-128"/>
                 <a:cs typeface="M+ 2p medium" panose="020B0603020203020204" pitchFamily="50" charset="-128"/>
               </a:rPr>
-              <a:t>フロー②　説明テキスト</a:t>
+              <a:t>手順②　説明テキスト</a:t>
             </a:r>
             <a:endParaRPr lang="en-US" altLang="ja-JP" sz="3600" dirty="0">
               <a:solidFill>
@@ -6458,7 +6463,7 @@
                 <a:ea typeface="M+ 2p medium" panose="020B0603020203020204" pitchFamily="50" charset="-128"/>
                 <a:cs typeface="M+ 2p medium" panose="020B0603020203020204" pitchFamily="50" charset="-128"/>
               </a:rPr>
-              <a:t>フロー③　説明テキスト</a:t>
+              <a:t>手順③　説明テキスト</a:t>
             </a:r>
             <a:endParaRPr lang="en-US" altLang="ja-JP" sz="3600" dirty="0">
               <a:solidFill>
@@ -6514,7 +6519,7 @@
                 <a:ea typeface="M+ 2p medium" panose="020B0603020203020204" pitchFamily="50" charset="-128"/>
                 <a:cs typeface="M+ 2p medium" panose="020B0603020203020204" pitchFamily="50" charset="-128"/>
               </a:rPr>
-              <a:t>フロー④　説明テキスト</a:t>
+              <a:t>手順④　説明テキスト</a:t>
             </a:r>
             <a:endParaRPr lang="en-US" altLang="ja-JP" sz="3600" dirty="0">
               <a:solidFill>
@@ -6559,7 +6564,7 @@
           <a:p>
             <a:pPr algn="ctr"/>
             <a:r>
-              <a:rPr lang="ja-JP" altLang="en-US" sz="3600" dirty="0">
+              <a:rPr lang="ja-JP" altLang="en-US" sz="3600">
                 <a:solidFill>
                   <a:schemeClr val="tx1">
                     <a:lumMod val="75000"/>
@@ -6570,7 +6575,21 @@
                 <a:ea typeface="M+ 2p medium" panose="020B0603020203020204" pitchFamily="50" charset="-128"/>
                 <a:cs typeface="M+ 2p medium" panose="020B0603020203020204" pitchFamily="50" charset="-128"/>
               </a:rPr>
-              <a:t>フロー⑤　説明テキスト</a:t>
+              <a:t>手順⑤　</a:t>
+            </a:r>
+            <a:r>
+              <a:rPr lang="ja-JP" altLang="en-US" sz="3600" dirty="0">
+                <a:solidFill>
+                  <a:schemeClr val="tx1">
+                    <a:lumMod val="75000"/>
+                    <a:lumOff val="25000"/>
+                  </a:schemeClr>
+                </a:solidFill>
+                <a:latin typeface="M+ 2p medium" panose="020B0603020203020204" pitchFamily="50" charset="-128"/>
+                <a:ea typeface="M+ 2p medium" panose="020B0603020203020204" pitchFamily="50" charset="-128"/>
+                <a:cs typeface="M+ 2p medium" panose="020B0603020203020204" pitchFamily="50" charset="-128"/>
+              </a:rPr>
+              <a:t>説明テキスト</a:t>
             </a:r>
             <a:endParaRPr lang="en-US" altLang="ja-JP" sz="2800" dirty="0">
               <a:solidFill>
